--- a/Delredovisning/Poster-hasab.pptx
+++ b/Delredovisning/Poster-hasab.pptx
@@ -2,7 +2,7 @@
 <file path=ppt/presentation.xml><?xml version="1.0" encoding="utf-8"?>
 <p:presentation xmlns:a="http://schemas.openxmlformats.org/drawingml/2006/main" xmlns:r="http://schemas.openxmlformats.org/officeDocument/2006/relationships" xmlns:p="http://schemas.openxmlformats.org/presentationml/2006/main" saveSubsetFonts="1" autoCompressPictures="0">
   <p:sldMasterIdLst>
-    <p:sldMasterId id="2147483900" r:id="rId1"/>
+    <p:sldMasterId id="2147483924" r:id="rId1"/>
   </p:sldMasterIdLst>
   <p:sldIdLst>
     <p:sldId id="256" r:id="rId2"/>
@@ -104,6 +104,11 @@
       </a:defRPr>
     </a:lvl9pPr>
   </p:defaultTextStyle>
+  <p:extLst>
+    <p:ext uri="{EFAFB233-063F-42B5-8137-9DF3F51BA10A}">
+      <p15:sldGuideLst xmlns:p15="http://schemas.microsoft.com/office/powerpoint/2012/main"/>
+    </p:ext>
+  </p:extLst>
 </p:presentation>
 </file>
 
@@ -129,7 +134,7 @@
           <p:cNvPr id="2" name="Rubrik 1">
             <a:extLst>
               <a:ext uri="{FF2B5EF4-FFF2-40B4-BE49-F238E27FC236}">
-                <a16:creationId xmlns:a16="http://schemas.microsoft.com/office/drawing/2014/main" id="{C5DBF17F-9BD5-2849-98D6-D77AA443C3B1}"/>
+                <a16:creationId xmlns:a16="http://schemas.microsoft.com/office/drawing/2014/main" id="{B04F56AE-E1D6-A840-9678-7B46D1A28C40}"/>
               </a:ext>
             </a:extLst>
           </p:cNvPr>
@@ -166,7 +171,7 @@
           <p:cNvPr id="3" name="Underrubrik 2">
             <a:extLst>
               <a:ext uri="{FF2B5EF4-FFF2-40B4-BE49-F238E27FC236}">
-                <a16:creationId xmlns:a16="http://schemas.microsoft.com/office/drawing/2014/main" id="{5E65F73B-8420-ED47-AFE4-939B8F3C2206}"/>
+                <a16:creationId xmlns:a16="http://schemas.microsoft.com/office/drawing/2014/main" id="{8A5E09EB-2551-EF4D-9544-49F904F78EA1}"/>
               </a:ext>
             </a:extLst>
           </p:cNvPr>
@@ -236,7 +241,7 @@
           <p:cNvPr id="4" name="Platshållare för datum 3">
             <a:extLst>
               <a:ext uri="{FF2B5EF4-FFF2-40B4-BE49-F238E27FC236}">
-                <a16:creationId xmlns:a16="http://schemas.microsoft.com/office/drawing/2014/main" id="{8634C183-1A41-9240-8ED7-7E2617F93862}"/>
+                <a16:creationId xmlns:a16="http://schemas.microsoft.com/office/drawing/2014/main" id="{5E684069-18DC-7D4C-90B5-8C9C3EEDFB4B}"/>
               </a:ext>
             </a:extLst>
           </p:cNvPr>
@@ -254,7 +259,7 @@
           <a:p>
             <a:fld id="{15666DF1-CDD0-D244-B8AF-2E523E083DDE}" type="datetimeFigureOut">
               <a:rPr lang="sv-SE" smtClean="0"/>
-              <a:t>2022-01-09</a:t>
+              <a:t>2022-01-10</a:t>
             </a:fld>
             <a:endParaRPr lang="sv-SE"/>
           </a:p>
@@ -265,7 +270,7 @@
           <p:cNvPr id="5" name="Platshållare för sidfot 4">
             <a:extLst>
               <a:ext uri="{FF2B5EF4-FFF2-40B4-BE49-F238E27FC236}">
-                <a16:creationId xmlns:a16="http://schemas.microsoft.com/office/drawing/2014/main" id="{349793F4-A0D6-7D47-AAD4-BD34A755212C}"/>
+                <a16:creationId xmlns:a16="http://schemas.microsoft.com/office/drawing/2014/main" id="{D8F79F4D-E489-6F4D-9824-57322132AB7A}"/>
               </a:ext>
             </a:extLst>
           </p:cNvPr>
@@ -290,7 +295,7 @@
           <p:cNvPr id="6" name="Platshållare för bildnummer 5">
             <a:extLst>
               <a:ext uri="{FF2B5EF4-FFF2-40B4-BE49-F238E27FC236}">
-                <a16:creationId xmlns:a16="http://schemas.microsoft.com/office/drawing/2014/main" id="{415735B3-1D0B-8A48-BF6A-44965764444C}"/>
+                <a16:creationId xmlns:a16="http://schemas.microsoft.com/office/drawing/2014/main" id="{8A3CBA55-93F5-DC4E-A6CB-7D6B871D2B4E}"/>
               </a:ext>
             </a:extLst>
           </p:cNvPr>
@@ -317,7 +322,7 @@
     </p:spTree>
     <p:extLst>
       <p:ext uri="{BB962C8B-B14F-4D97-AF65-F5344CB8AC3E}">
-        <p14:creationId xmlns:p14="http://schemas.microsoft.com/office/powerpoint/2010/main" val="2963425879"/>
+        <p14:creationId xmlns:p14="http://schemas.microsoft.com/office/powerpoint/2010/main" val="3215730619"/>
       </p:ext>
     </p:extLst>
   </p:cSld>
@@ -349,7 +354,7 @@
           <p:cNvPr id="2" name="Rubrik 1">
             <a:extLst>
               <a:ext uri="{FF2B5EF4-FFF2-40B4-BE49-F238E27FC236}">
-                <a16:creationId xmlns:a16="http://schemas.microsoft.com/office/drawing/2014/main" id="{2730C8A8-AE6C-9D4F-85E5-8AF6741467F7}"/>
+                <a16:creationId xmlns:a16="http://schemas.microsoft.com/office/drawing/2014/main" id="{D6CBA4C7-4671-F043-9B07-E8B8F9CE47AE}"/>
               </a:ext>
             </a:extLst>
           </p:cNvPr>
@@ -377,7 +382,7 @@
           <p:cNvPr id="3" name="Platshållare för lodrät text 2">
             <a:extLst>
               <a:ext uri="{FF2B5EF4-FFF2-40B4-BE49-F238E27FC236}">
-                <a16:creationId xmlns:a16="http://schemas.microsoft.com/office/drawing/2014/main" id="{AF37ABA9-9D09-4841-A1F3-C867EF34FC04}"/>
+                <a16:creationId xmlns:a16="http://schemas.microsoft.com/office/drawing/2014/main" id="{2D444F69-8677-4740-8DA4-9355319F333F}"/>
               </a:ext>
             </a:extLst>
           </p:cNvPr>
@@ -434,7 +439,7 @@
           <p:cNvPr id="4" name="Platshållare för datum 3">
             <a:extLst>
               <a:ext uri="{FF2B5EF4-FFF2-40B4-BE49-F238E27FC236}">
-                <a16:creationId xmlns:a16="http://schemas.microsoft.com/office/drawing/2014/main" id="{3E5ABF6B-1B62-F144-9404-BE428D3620ED}"/>
+                <a16:creationId xmlns:a16="http://schemas.microsoft.com/office/drawing/2014/main" id="{2DBD23E6-C250-764F-A807-F2B500E3333C}"/>
               </a:ext>
             </a:extLst>
           </p:cNvPr>
@@ -452,7 +457,7 @@
           <a:p>
             <a:fld id="{15666DF1-CDD0-D244-B8AF-2E523E083DDE}" type="datetimeFigureOut">
               <a:rPr lang="sv-SE" smtClean="0"/>
-              <a:t>2022-01-09</a:t>
+              <a:t>2022-01-10</a:t>
             </a:fld>
             <a:endParaRPr lang="sv-SE"/>
           </a:p>
@@ -463,7 +468,7 @@
           <p:cNvPr id="5" name="Platshållare för sidfot 4">
             <a:extLst>
               <a:ext uri="{FF2B5EF4-FFF2-40B4-BE49-F238E27FC236}">
-                <a16:creationId xmlns:a16="http://schemas.microsoft.com/office/drawing/2014/main" id="{0BB343B2-862D-C944-8D64-416F57E9A267}"/>
+                <a16:creationId xmlns:a16="http://schemas.microsoft.com/office/drawing/2014/main" id="{D4AA0508-3E47-FA43-A3B6-B097F9A1E803}"/>
               </a:ext>
             </a:extLst>
           </p:cNvPr>
@@ -488,7 +493,7 @@
           <p:cNvPr id="6" name="Platshållare för bildnummer 5">
             <a:extLst>
               <a:ext uri="{FF2B5EF4-FFF2-40B4-BE49-F238E27FC236}">
-                <a16:creationId xmlns:a16="http://schemas.microsoft.com/office/drawing/2014/main" id="{8F2FB638-4C5F-AA44-AE0E-9C20BB5E2CAF}"/>
+                <a16:creationId xmlns:a16="http://schemas.microsoft.com/office/drawing/2014/main" id="{CD4D74BE-B25F-5A4C-B3BA-785C48EFB6D8}"/>
               </a:ext>
             </a:extLst>
           </p:cNvPr>
@@ -515,7 +520,7 @@
     </p:spTree>
     <p:extLst>
       <p:ext uri="{BB962C8B-B14F-4D97-AF65-F5344CB8AC3E}">
-        <p14:creationId xmlns:p14="http://schemas.microsoft.com/office/powerpoint/2010/main" val="3997643564"/>
+        <p14:creationId xmlns:p14="http://schemas.microsoft.com/office/powerpoint/2010/main" val="1025822271"/>
       </p:ext>
     </p:extLst>
   </p:cSld>
@@ -547,7 +552,7 @@
           <p:cNvPr id="2" name="Lodrät rubrik 1">
             <a:extLst>
               <a:ext uri="{FF2B5EF4-FFF2-40B4-BE49-F238E27FC236}">
-                <a16:creationId xmlns:a16="http://schemas.microsoft.com/office/drawing/2014/main" id="{5588C9AB-8ADC-0B4A-8F6A-F581C885BEA1}"/>
+                <a16:creationId xmlns:a16="http://schemas.microsoft.com/office/drawing/2014/main" id="{A02A7CA4-C73A-6F4E-8C1F-931204C68FB2}"/>
               </a:ext>
             </a:extLst>
           </p:cNvPr>
@@ -580,7 +585,7 @@
           <p:cNvPr id="3" name="Platshållare för lodrät text 2">
             <a:extLst>
               <a:ext uri="{FF2B5EF4-FFF2-40B4-BE49-F238E27FC236}">
-                <a16:creationId xmlns:a16="http://schemas.microsoft.com/office/drawing/2014/main" id="{B6EBBC6D-C46B-5549-B4BB-34AC2451E5CA}"/>
+                <a16:creationId xmlns:a16="http://schemas.microsoft.com/office/drawing/2014/main" id="{2F9DD09E-408F-B345-A822-9631ADD87656}"/>
               </a:ext>
             </a:extLst>
           </p:cNvPr>
@@ -642,7 +647,7 @@
           <p:cNvPr id="4" name="Platshållare för datum 3">
             <a:extLst>
               <a:ext uri="{FF2B5EF4-FFF2-40B4-BE49-F238E27FC236}">
-                <a16:creationId xmlns:a16="http://schemas.microsoft.com/office/drawing/2014/main" id="{57327794-527F-F94D-B88E-6575B5247FA2}"/>
+                <a16:creationId xmlns:a16="http://schemas.microsoft.com/office/drawing/2014/main" id="{3FCFA2E6-220A-D749-935E-B9C398AF2F30}"/>
               </a:ext>
             </a:extLst>
           </p:cNvPr>
@@ -660,7 +665,7 @@
           <a:p>
             <a:fld id="{15666DF1-CDD0-D244-B8AF-2E523E083DDE}" type="datetimeFigureOut">
               <a:rPr lang="sv-SE" smtClean="0"/>
-              <a:t>2022-01-09</a:t>
+              <a:t>2022-01-10</a:t>
             </a:fld>
             <a:endParaRPr lang="sv-SE"/>
           </a:p>
@@ -671,7 +676,7 @@
           <p:cNvPr id="5" name="Platshållare för sidfot 4">
             <a:extLst>
               <a:ext uri="{FF2B5EF4-FFF2-40B4-BE49-F238E27FC236}">
-                <a16:creationId xmlns:a16="http://schemas.microsoft.com/office/drawing/2014/main" id="{6C0E7738-D15E-1849-9CF9-CF9A0D13098F}"/>
+                <a16:creationId xmlns:a16="http://schemas.microsoft.com/office/drawing/2014/main" id="{34CEF0CB-9CAC-EF4D-AF03-9017A7A7D37A}"/>
               </a:ext>
             </a:extLst>
           </p:cNvPr>
@@ -696,7 +701,7 @@
           <p:cNvPr id="6" name="Platshållare för bildnummer 5">
             <a:extLst>
               <a:ext uri="{FF2B5EF4-FFF2-40B4-BE49-F238E27FC236}">
-                <a16:creationId xmlns:a16="http://schemas.microsoft.com/office/drawing/2014/main" id="{D6C4D79C-389C-0D45-99B1-42A77AFBAC8C}"/>
+                <a16:creationId xmlns:a16="http://schemas.microsoft.com/office/drawing/2014/main" id="{B66F208C-5ED5-9A4E-A329-787465927271}"/>
               </a:ext>
             </a:extLst>
           </p:cNvPr>
@@ -723,7 +728,7 @@
     </p:spTree>
     <p:extLst>
       <p:ext uri="{BB962C8B-B14F-4D97-AF65-F5344CB8AC3E}">
-        <p14:creationId xmlns:p14="http://schemas.microsoft.com/office/powerpoint/2010/main" val="3670006254"/>
+        <p14:creationId xmlns:p14="http://schemas.microsoft.com/office/powerpoint/2010/main" val="845872266"/>
       </p:ext>
     </p:extLst>
   </p:cSld>
@@ -755,7 +760,7 @@
           <p:cNvPr id="2" name="Rubrik 1">
             <a:extLst>
               <a:ext uri="{FF2B5EF4-FFF2-40B4-BE49-F238E27FC236}">
-                <a16:creationId xmlns:a16="http://schemas.microsoft.com/office/drawing/2014/main" id="{44AD6A27-81AF-0A45-9F37-FF14FC7084FC}"/>
+                <a16:creationId xmlns:a16="http://schemas.microsoft.com/office/drawing/2014/main" id="{38A65976-D024-0348-A382-8F6762D2EF13}"/>
               </a:ext>
             </a:extLst>
           </p:cNvPr>
@@ -783,7 +788,7 @@
           <p:cNvPr id="3" name="Platshållare för innehåll 2">
             <a:extLst>
               <a:ext uri="{FF2B5EF4-FFF2-40B4-BE49-F238E27FC236}">
-                <a16:creationId xmlns:a16="http://schemas.microsoft.com/office/drawing/2014/main" id="{A070FE93-2620-BB49-8342-E085BC12F1E9}"/>
+                <a16:creationId xmlns:a16="http://schemas.microsoft.com/office/drawing/2014/main" id="{4C90DA34-CFBD-BF40-850F-284CC7347AB4}"/>
               </a:ext>
             </a:extLst>
           </p:cNvPr>
@@ -840,7 +845,7 @@
           <p:cNvPr id="4" name="Platshållare för datum 3">
             <a:extLst>
               <a:ext uri="{FF2B5EF4-FFF2-40B4-BE49-F238E27FC236}">
-                <a16:creationId xmlns:a16="http://schemas.microsoft.com/office/drawing/2014/main" id="{6D515A7A-C4AE-4941-9008-2E4EDBC7BF12}"/>
+                <a16:creationId xmlns:a16="http://schemas.microsoft.com/office/drawing/2014/main" id="{7EBF8763-BCC8-2C43-BE43-D7B93397F9F5}"/>
               </a:ext>
             </a:extLst>
           </p:cNvPr>
@@ -858,7 +863,7 @@
           <a:p>
             <a:fld id="{15666DF1-CDD0-D244-B8AF-2E523E083DDE}" type="datetimeFigureOut">
               <a:rPr lang="sv-SE" smtClean="0"/>
-              <a:t>2022-01-09</a:t>
+              <a:t>2022-01-10</a:t>
             </a:fld>
             <a:endParaRPr lang="sv-SE"/>
           </a:p>
@@ -869,7 +874,7 @@
           <p:cNvPr id="5" name="Platshållare för sidfot 4">
             <a:extLst>
               <a:ext uri="{FF2B5EF4-FFF2-40B4-BE49-F238E27FC236}">
-                <a16:creationId xmlns:a16="http://schemas.microsoft.com/office/drawing/2014/main" id="{C7D684E7-3CF5-644C-809C-D246AB5A819C}"/>
+                <a16:creationId xmlns:a16="http://schemas.microsoft.com/office/drawing/2014/main" id="{395F1400-CED3-3948-8C11-0567FD8318F7}"/>
               </a:ext>
             </a:extLst>
           </p:cNvPr>
@@ -894,7 +899,7 @@
           <p:cNvPr id="6" name="Platshållare för bildnummer 5">
             <a:extLst>
               <a:ext uri="{FF2B5EF4-FFF2-40B4-BE49-F238E27FC236}">
-                <a16:creationId xmlns:a16="http://schemas.microsoft.com/office/drawing/2014/main" id="{ACBA0BCA-27E9-D14A-B1C6-9E5F97A1D259}"/>
+                <a16:creationId xmlns:a16="http://schemas.microsoft.com/office/drawing/2014/main" id="{D8657E80-9820-0A43-A470-D95CB8854A5C}"/>
               </a:ext>
             </a:extLst>
           </p:cNvPr>
@@ -921,7 +926,7 @@
     </p:spTree>
     <p:extLst>
       <p:ext uri="{BB962C8B-B14F-4D97-AF65-F5344CB8AC3E}">
-        <p14:creationId xmlns:p14="http://schemas.microsoft.com/office/powerpoint/2010/main" val="2196786440"/>
+        <p14:creationId xmlns:p14="http://schemas.microsoft.com/office/powerpoint/2010/main" val="2565843065"/>
       </p:ext>
     </p:extLst>
   </p:cSld>
@@ -953,7 +958,7 @@
           <p:cNvPr id="2" name="Rubrik 1">
             <a:extLst>
               <a:ext uri="{FF2B5EF4-FFF2-40B4-BE49-F238E27FC236}">
-                <a16:creationId xmlns:a16="http://schemas.microsoft.com/office/drawing/2014/main" id="{A416E801-6CB5-054E-9C33-BA00FB86B8CC}"/>
+                <a16:creationId xmlns:a16="http://schemas.microsoft.com/office/drawing/2014/main" id="{D55204B4-AE6B-B644-9B4B-952742E9C9D0}"/>
               </a:ext>
             </a:extLst>
           </p:cNvPr>
@@ -990,7 +995,7 @@
           <p:cNvPr id="3" name="Platshållare för text 2">
             <a:extLst>
               <a:ext uri="{FF2B5EF4-FFF2-40B4-BE49-F238E27FC236}">
-                <a16:creationId xmlns:a16="http://schemas.microsoft.com/office/drawing/2014/main" id="{B5C5E3D6-9A79-DF4B-8F71-54ACD1F6062F}"/>
+                <a16:creationId xmlns:a16="http://schemas.microsoft.com/office/drawing/2014/main" id="{2430B7E8-F1FA-4E41-B271-0B1CF48AE664}"/>
               </a:ext>
             </a:extLst>
           </p:cNvPr>
@@ -1115,7 +1120,7 @@
           <p:cNvPr id="4" name="Platshållare för datum 3">
             <a:extLst>
               <a:ext uri="{FF2B5EF4-FFF2-40B4-BE49-F238E27FC236}">
-                <a16:creationId xmlns:a16="http://schemas.microsoft.com/office/drawing/2014/main" id="{7727C967-D23E-3845-97E1-A6571795BD62}"/>
+                <a16:creationId xmlns:a16="http://schemas.microsoft.com/office/drawing/2014/main" id="{6FBD4B3F-BCF9-B44C-A9D7-5F5DA1548544}"/>
               </a:ext>
             </a:extLst>
           </p:cNvPr>
@@ -1133,7 +1138,7 @@
           <a:p>
             <a:fld id="{15666DF1-CDD0-D244-B8AF-2E523E083DDE}" type="datetimeFigureOut">
               <a:rPr lang="sv-SE" smtClean="0"/>
-              <a:t>2022-01-09</a:t>
+              <a:t>2022-01-10</a:t>
             </a:fld>
             <a:endParaRPr lang="sv-SE"/>
           </a:p>
@@ -1144,7 +1149,7 @@
           <p:cNvPr id="5" name="Platshållare för sidfot 4">
             <a:extLst>
               <a:ext uri="{FF2B5EF4-FFF2-40B4-BE49-F238E27FC236}">
-                <a16:creationId xmlns:a16="http://schemas.microsoft.com/office/drawing/2014/main" id="{44DCA79C-83EA-FD4F-AE30-FD19D734B552}"/>
+                <a16:creationId xmlns:a16="http://schemas.microsoft.com/office/drawing/2014/main" id="{98D64977-005D-E14E-B086-F6CE314DC448}"/>
               </a:ext>
             </a:extLst>
           </p:cNvPr>
@@ -1169,7 +1174,7 @@
           <p:cNvPr id="6" name="Platshållare för bildnummer 5">
             <a:extLst>
               <a:ext uri="{FF2B5EF4-FFF2-40B4-BE49-F238E27FC236}">
-                <a16:creationId xmlns:a16="http://schemas.microsoft.com/office/drawing/2014/main" id="{4BB645B0-EF31-4C43-84AE-34F8C84E7BDA}"/>
+                <a16:creationId xmlns:a16="http://schemas.microsoft.com/office/drawing/2014/main" id="{A1224265-769D-1A4F-A409-A32F55587EB5}"/>
               </a:ext>
             </a:extLst>
           </p:cNvPr>
@@ -1196,7 +1201,7 @@
     </p:spTree>
     <p:extLst>
       <p:ext uri="{BB962C8B-B14F-4D97-AF65-F5344CB8AC3E}">
-        <p14:creationId xmlns:p14="http://schemas.microsoft.com/office/powerpoint/2010/main" val="4268213665"/>
+        <p14:creationId xmlns:p14="http://schemas.microsoft.com/office/powerpoint/2010/main" val="1921577996"/>
       </p:ext>
     </p:extLst>
   </p:cSld>
@@ -1228,7 +1233,7 @@
           <p:cNvPr id="2" name="Rubrik 1">
             <a:extLst>
               <a:ext uri="{FF2B5EF4-FFF2-40B4-BE49-F238E27FC236}">
-                <a16:creationId xmlns:a16="http://schemas.microsoft.com/office/drawing/2014/main" id="{548E73EB-0C1B-F94A-8DA9-18A39C21C701}"/>
+                <a16:creationId xmlns:a16="http://schemas.microsoft.com/office/drawing/2014/main" id="{C414C14C-96FB-7D4D-9DDD-AB68C074BAE6}"/>
               </a:ext>
             </a:extLst>
           </p:cNvPr>
@@ -1256,7 +1261,7 @@
           <p:cNvPr id="3" name="Platshållare för innehåll 2">
             <a:extLst>
               <a:ext uri="{FF2B5EF4-FFF2-40B4-BE49-F238E27FC236}">
-                <a16:creationId xmlns:a16="http://schemas.microsoft.com/office/drawing/2014/main" id="{4F616738-F0AD-2A45-BE8E-62FB8D79FDE9}"/>
+                <a16:creationId xmlns:a16="http://schemas.microsoft.com/office/drawing/2014/main" id="{3187CA42-927C-8540-9660-0B3093B446E8}"/>
               </a:ext>
             </a:extLst>
           </p:cNvPr>
@@ -1318,7 +1323,7 @@
           <p:cNvPr id="4" name="Platshållare för innehåll 3">
             <a:extLst>
               <a:ext uri="{FF2B5EF4-FFF2-40B4-BE49-F238E27FC236}">
-                <a16:creationId xmlns:a16="http://schemas.microsoft.com/office/drawing/2014/main" id="{BA183BA1-6BD2-B844-8CA6-A6C3E6118A8D}"/>
+                <a16:creationId xmlns:a16="http://schemas.microsoft.com/office/drawing/2014/main" id="{92777FAF-D569-CD4B-890D-C9BD56D7E788}"/>
               </a:ext>
             </a:extLst>
           </p:cNvPr>
@@ -1380,7 +1385,7 @@
           <p:cNvPr id="5" name="Platshållare för datum 4">
             <a:extLst>
               <a:ext uri="{FF2B5EF4-FFF2-40B4-BE49-F238E27FC236}">
-                <a16:creationId xmlns:a16="http://schemas.microsoft.com/office/drawing/2014/main" id="{7A5047C3-9DB1-C946-B4F5-4F377C64399A}"/>
+                <a16:creationId xmlns:a16="http://schemas.microsoft.com/office/drawing/2014/main" id="{91CF76AF-9864-C749-A79E-DDF2C1C7294A}"/>
               </a:ext>
             </a:extLst>
           </p:cNvPr>
@@ -1398,7 +1403,7 @@
           <a:p>
             <a:fld id="{15666DF1-CDD0-D244-B8AF-2E523E083DDE}" type="datetimeFigureOut">
               <a:rPr lang="sv-SE" smtClean="0"/>
-              <a:t>2022-01-09</a:t>
+              <a:t>2022-01-10</a:t>
             </a:fld>
             <a:endParaRPr lang="sv-SE"/>
           </a:p>
@@ -1409,7 +1414,7 @@
           <p:cNvPr id="6" name="Platshållare för sidfot 5">
             <a:extLst>
               <a:ext uri="{FF2B5EF4-FFF2-40B4-BE49-F238E27FC236}">
-                <a16:creationId xmlns:a16="http://schemas.microsoft.com/office/drawing/2014/main" id="{3480F0FC-A7F5-8443-8F2F-F886EDD20BBC}"/>
+                <a16:creationId xmlns:a16="http://schemas.microsoft.com/office/drawing/2014/main" id="{788A47C0-590F-4840-A567-8B242DB4379E}"/>
               </a:ext>
             </a:extLst>
           </p:cNvPr>
@@ -1434,7 +1439,7 @@
           <p:cNvPr id="7" name="Platshållare för bildnummer 6">
             <a:extLst>
               <a:ext uri="{FF2B5EF4-FFF2-40B4-BE49-F238E27FC236}">
-                <a16:creationId xmlns:a16="http://schemas.microsoft.com/office/drawing/2014/main" id="{DF77CA88-EF11-C649-9536-6C302CE00BBB}"/>
+                <a16:creationId xmlns:a16="http://schemas.microsoft.com/office/drawing/2014/main" id="{FCF90415-EC07-6742-AC4F-A4F3F6C6716B}"/>
               </a:ext>
             </a:extLst>
           </p:cNvPr>
@@ -1461,7 +1466,7 @@
     </p:spTree>
     <p:extLst>
       <p:ext uri="{BB962C8B-B14F-4D97-AF65-F5344CB8AC3E}">
-        <p14:creationId xmlns:p14="http://schemas.microsoft.com/office/powerpoint/2010/main" val="2311513005"/>
+        <p14:creationId xmlns:p14="http://schemas.microsoft.com/office/powerpoint/2010/main" val="104188945"/>
       </p:ext>
     </p:extLst>
   </p:cSld>
@@ -1493,7 +1498,7 @@
           <p:cNvPr id="2" name="Rubrik 1">
             <a:extLst>
               <a:ext uri="{FF2B5EF4-FFF2-40B4-BE49-F238E27FC236}">
-                <a16:creationId xmlns:a16="http://schemas.microsoft.com/office/drawing/2014/main" id="{1B2BE98F-2B23-474F-BFB6-960ED92F7AC6}"/>
+                <a16:creationId xmlns:a16="http://schemas.microsoft.com/office/drawing/2014/main" id="{5D96D5BC-8A20-074A-9445-C8F714A1B561}"/>
               </a:ext>
             </a:extLst>
           </p:cNvPr>
@@ -1526,7 +1531,7 @@
           <p:cNvPr id="3" name="Platshållare för text 2">
             <a:extLst>
               <a:ext uri="{FF2B5EF4-FFF2-40B4-BE49-F238E27FC236}">
-                <a16:creationId xmlns:a16="http://schemas.microsoft.com/office/drawing/2014/main" id="{C1AE6FDD-A6FE-E44C-A448-158DDA6E3165}"/>
+                <a16:creationId xmlns:a16="http://schemas.microsoft.com/office/drawing/2014/main" id="{B4AF10D7-677F-534B-B4AB-92FD9F9CE189}"/>
               </a:ext>
             </a:extLst>
           </p:cNvPr>
@@ -1597,7 +1602,7 @@
           <p:cNvPr id="4" name="Platshållare för innehåll 3">
             <a:extLst>
               <a:ext uri="{FF2B5EF4-FFF2-40B4-BE49-F238E27FC236}">
-                <a16:creationId xmlns:a16="http://schemas.microsoft.com/office/drawing/2014/main" id="{835B795F-204A-5740-A619-D8CEBE6FDFEA}"/>
+                <a16:creationId xmlns:a16="http://schemas.microsoft.com/office/drawing/2014/main" id="{5F795128-CF23-F84A-BEDA-EB594BA5C7C2}"/>
               </a:ext>
             </a:extLst>
           </p:cNvPr>
@@ -1659,7 +1664,7 @@
           <p:cNvPr id="5" name="Platshållare för text 4">
             <a:extLst>
               <a:ext uri="{FF2B5EF4-FFF2-40B4-BE49-F238E27FC236}">
-                <a16:creationId xmlns:a16="http://schemas.microsoft.com/office/drawing/2014/main" id="{8E719E12-0250-9F4E-B08A-81DA6A049EF6}"/>
+                <a16:creationId xmlns:a16="http://schemas.microsoft.com/office/drawing/2014/main" id="{5145508E-F7B4-9D46-AE90-0320BC8E1F79}"/>
               </a:ext>
             </a:extLst>
           </p:cNvPr>
@@ -1730,7 +1735,7 @@
           <p:cNvPr id="6" name="Platshållare för innehåll 5">
             <a:extLst>
               <a:ext uri="{FF2B5EF4-FFF2-40B4-BE49-F238E27FC236}">
-                <a16:creationId xmlns:a16="http://schemas.microsoft.com/office/drawing/2014/main" id="{FACAEEA5-E91C-6849-909A-A6B7C3FC91DC}"/>
+                <a16:creationId xmlns:a16="http://schemas.microsoft.com/office/drawing/2014/main" id="{6D052652-F0BF-9C45-B95F-398385ED231C}"/>
               </a:ext>
             </a:extLst>
           </p:cNvPr>
@@ -1792,7 +1797,7 @@
           <p:cNvPr id="7" name="Platshållare för datum 6">
             <a:extLst>
               <a:ext uri="{FF2B5EF4-FFF2-40B4-BE49-F238E27FC236}">
-                <a16:creationId xmlns:a16="http://schemas.microsoft.com/office/drawing/2014/main" id="{A1EF838C-0515-6E41-8B61-AC15D7514D3C}"/>
+                <a16:creationId xmlns:a16="http://schemas.microsoft.com/office/drawing/2014/main" id="{D5EE2417-A4E0-6944-85BA-0DB06D9AF458}"/>
               </a:ext>
             </a:extLst>
           </p:cNvPr>
@@ -1810,7 +1815,7 @@
           <a:p>
             <a:fld id="{15666DF1-CDD0-D244-B8AF-2E523E083DDE}" type="datetimeFigureOut">
               <a:rPr lang="sv-SE" smtClean="0"/>
-              <a:t>2022-01-09</a:t>
+              <a:t>2022-01-10</a:t>
             </a:fld>
             <a:endParaRPr lang="sv-SE"/>
           </a:p>
@@ -1821,7 +1826,7 @@
           <p:cNvPr id="8" name="Platshållare för sidfot 7">
             <a:extLst>
               <a:ext uri="{FF2B5EF4-FFF2-40B4-BE49-F238E27FC236}">
-                <a16:creationId xmlns:a16="http://schemas.microsoft.com/office/drawing/2014/main" id="{F331B39C-CE3B-CD41-BB02-45606B8809F9}"/>
+                <a16:creationId xmlns:a16="http://schemas.microsoft.com/office/drawing/2014/main" id="{FAE61693-5622-5440-9185-3117126AE7A7}"/>
               </a:ext>
             </a:extLst>
           </p:cNvPr>
@@ -1846,7 +1851,7 @@
           <p:cNvPr id="9" name="Platshållare för bildnummer 8">
             <a:extLst>
               <a:ext uri="{FF2B5EF4-FFF2-40B4-BE49-F238E27FC236}">
-                <a16:creationId xmlns:a16="http://schemas.microsoft.com/office/drawing/2014/main" id="{A2EB89A8-8B2E-E544-84B0-EFBAAC2F0B73}"/>
+                <a16:creationId xmlns:a16="http://schemas.microsoft.com/office/drawing/2014/main" id="{8905D21C-F649-F84B-8178-407D0011F257}"/>
               </a:ext>
             </a:extLst>
           </p:cNvPr>
@@ -1873,7 +1878,7 @@
     </p:spTree>
     <p:extLst>
       <p:ext uri="{BB962C8B-B14F-4D97-AF65-F5344CB8AC3E}">
-        <p14:creationId xmlns:p14="http://schemas.microsoft.com/office/powerpoint/2010/main" val="3304038042"/>
+        <p14:creationId xmlns:p14="http://schemas.microsoft.com/office/powerpoint/2010/main" val="1043936194"/>
       </p:ext>
     </p:extLst>
   </p:cSld>
@@ -1905,7 +1910,7 @@
           <p:cNvPr id="2" name="Rubrik 1">
             <a:extLst>
               <a:ext uri="{FF2B5EF4-FFF2-40B4-BE49-F238E27FC236}">
-                <a16:creationId xmlns:a16="http://schemas.microsoft.com/office/drawing/2014/main" id="{F341165F-253F-C64C-A1E7-4D800343A8D6}"/>
+                <a16:creationId xmlns:a16="http://schemas.microsoft.com/office/drawing/2014/main" id="{DB37FAA9-D427-7544-B18D-280E1E86748B}"/>
               </a:ext>
             </a:extLst>
           </p:cNvPr>
@@ -1933,7 +1938,7 @@
           <p:cNvPr id="3" name="Platshållare för datum 2">
             <a:extLst>
               <a:ext uri="{FF2B5EF4-FFF2-40B4-BE49-F238E27FC236}">
-                <a16:creationId xmlns:a16="http://schemas.microsoft.com/office/drawing/2014/main" id="{76A228F1-6992-4449-B472-0107819B7A94}"/>
+                <a16:creationId xmlns:a16="http://schemas.microsoft.com/office/drawing/2014/main" id="{10396205-F3AB-704F-97CC-A5983BE9C04D}"/>
               </a:ext>
             </a:extLst>
           </p:cNvPr>
@@ -1951,7 +1956,7 @@
           <a:p>
             <a:fld id="{15666DF1-CDD0-D244-B8AF-2E523E083DDE}" type="datetimeFigureOut">
               <a:rPr lang="sv-SE" smtClean="0"/>
-              <a:t>2022-01-09</a:t>
+              <a:t>2022-01-10</a:t>
             </a:fld>
             <a:endParaRPr lang="sv-SE"/>
           </a:p>
@@ -1962,7 +1967,7 @@
           <p:cNvPr id="4" name="Platshållare för sidfot 3">
             <a:extLst>
               <a:ext uri="{FF2B5EF4-FFF2-40B4-BE49-F238E27FC236}">
-                <a16:creationId xmlns:a16="http://schemas.microsoft.com/office/drawing/2014/main" id="{21A45A30-6BA5-E148-820F-38917EEA204F}"/>
+                <a16:creationId xmlns:a16="http://schemas.microsoft.com/office/drawing/2014/main" id="{7572A3AF-1E93-6A45-9D5E-35F0600C2FD2}"/>
               </a:ext>
             </a:extLst>
           </p:cNvPr>
@@ -1987,7 +1992,7 @@
           <p:cNvPr id="5" name="Platshållare för bildnummer 4">
             <a:extLst>
               <a:ext uri="{FF2B5EF4-FFF2-40B4-BE49-F238E27FC236}">
-                <a16:creationId xmlns:a16="http://schemas.microsoft.com/office/drawing/2014/main" id="{525C5879-E3CA-E048-AD51-F94DF73BC029}"/>
+                <a16:creationId xmlns:a16="http://schemas.microsoft.com/office/drawing/2014/main" id="{317A1A76-0DAA-3F4F-B6A3-A28794404F25}"/>
               </a:ext>
             </a:extLst>
           </p:cNvPr>
@@ -2014,7 +2019,7 @@
     </p:spTree>
     <p:extLst>
       <p:ext uri="{BB962C8B-B14F-4D97-AF65-F5344CB8AC3E}">
-        <p14:creationId xmlns:p14="http://schemas.microsoft.com/office/powerpoint/2010/main" val="2007451955"/>
+        <p14:creationId xmlns:p14="http://schemas.microsoft.com/office/powerpoint/2010/main" val="3760509568"/>
       </p:ext>
     </p:extLst>
   </p:cSld>
@@ -2046,7 +2051,7 @@
           <p:cNvPr id="2" name="Platshållare för datum 1">
             <a:extLst>
               <a:ext uri="{FF2B5EF4-FFF2-40B4-BE49-F238E27FC236}">
-                <a16:creationId xmlns:a16="http://schemas.microsoft.com/office/drawing/2014/main" id="{2BD5F1E3-E295-594F-B4C9-A2A23105D0D7}"/>
+                <a16:creationId xmlns:a16="http://schemas.microsoft.com/office/drawing/2014/main" id="{2BCDE78D-8DF5-BD48-A5A7-0D2667884933}"/>
               </a:ext>
             </a:extLst>
           </p:cNvPr>
@@ -2064,7 +2069,7 @@
           <a:p>
             <a:fld id="{15666DF1-CDD0-D244-B8AF-2E523E083DDE}" type="datetimeFigureOut">
               <a:rPr lang="sv-SE" smtClean="0"/>
-              <a:t>2022-01-09</a:t>
+              <a:t>2022-01-10</a:t>
             </a:fld>
             <a:endParaRPr lang="sv-SE"/>
           </a:p>
@@ -2075,7 +2080,7 @@
           <p:cNvPr id="3" name="Platshållare för sidfot 2">
             <a:extLst>
               <a:ext uri="{FF2B5EF4-FFF2-40B4-BE49-F238E27FC236}">
-                <a16:creationId xmlns:a16="http://schemas.microsoft.com/office/drawing/2014/main" id="{17A934D0-B1A3-E84E-8D9F-554959535242}"/>
+                <a16:creationId xmlns:a16="http://schemas.microsoft.com/office/drawing/2014/main" id="{12BBBB58-E5EC-3948-888C-E220A04DC36E}"/>
               </a:ext>
             </a:extLst>
           </p:cNvPr>
@@ -2100,7 +2105,7 @@
           <p:cNvPr id="4" name="Platshållare för bildnummer 3">
             <a:extLst>
               <a:ext uri="{FF2B5EF4-FFF2-40B4-BE49-F238E27FC236}">
-                <a16:creationId xmlns:a16="http://schemas.microsoft.com/office/drawing/2014/main" id="{A6F0D8F0-FB2C-8A4E-91AF-475FD0B34991}"/>
+                <a16:creationId xmlns:a16="http://schemas.microsoft.com/office/drawing/2014/main" id="{E54AE80B-0D92-9649-8FB1-8396A9AA0BF8}"/>
               </a:ext>
             </a:extLst>
           </p:cNvPr>
@@ -2127,7 +2132,7 @@
     </p:spTree>
     <p:extLst>
       <p:ext uri="{BB962C8B-B14F-4D97-AF65-F5344CB8AC3E}">
-        <p14:creationId xmlns:p14="http://schemas.microsoft.com/office/powerpoint/2010/main" val="3398946437"/>
+        <p14:creationId xmlns:p14="http://schemas.microsoft.com/office/powerpoint/2010/main" val="2942558055"/>
       </p:ext>
     </p:extLst>
   </p:cSld>
@@ -2159,7 +2164,7 @@
           <p:cNvPr id="2" name="Rubrik 1">
             <a:extLst>
               <a:ext uri="{FF2B5EF4-FFF2-40B4-BE49-F238E27FC236}">
-                <a16:creationId xmlns:a16="http://schemas.microsoft.com/office/drawing/2014/main" id="{40AE9CE1-2ACF-884D-9E6B-78C5A2A3DF4C}"/>
+                <a16:creationId xmlns:a16="http://schemas.microsoft.com/office/drawing/2014/main" id="{1F7B7009-02EE-D743-9998-8591FAAB9B8A}"/>
               </a:ext>
             </a:extLst>
           </p:cNvPr>
@@ -2196,7 +2201,7 @@
           <p:cNvPr id="3" name="Platshållare för innehåll 2">
             <a:extLst>
               <a:ext uri="{FF2B5EF4-FFF2-40B4-BE49-F238E27FC236}">
-                <a16:creationId xmlns:a16="http://schemas.microsoft.com/office/drawing/2014/main" id="{4808011E-B4F5-584E-829B-C226AFBC97B9}"/>
+                <a16:creationId xmlns:a16="http://schemas.microsoft.com/office/drawing/2014/main" id="{0B1EEE9D-9922-6046-ACF3-2291D267A5FD}"/>
               </a:ext>
             </a:extLst>
           </p:cNvPr>
@@ -2286,7 +2291,7 @@
           <p:cNvPr id="4" name="Platshållare för text 3">
             <a:extLst>
               <a:ext uri="{FF2B5EF4-FFF2-40B4-BE49-F238E27FC236}">
-                <a16:creationId xmlns:a16="http://schemas.microsoft.com/office/drawing/2014/main" id="{33AC1F57-02C5-2C41-B168-0C9BFACDED26}"/>
+                <a16:creationId xmlns:a16="http://schemas.microsoft.com/office/drawing/2014/main" id="{24F40D4F-AFCE-2444-B248-1EDC0FC310E8}"/>
               </a:ext>
             </a:extLst>
           </p:cNvPr>
@@ -2357,7 +2362,7 @@
           <p:cNvPr id="5" name="Platshållare för datum 4">
             <a:extLst>
               <a:ext uri="{FF2B5EF4-FFF2-40B4-BE49-F238E27FC236}">
-                <a16:creationId xmlns:a16="http://schemas.microsoft.com/office/drawing/2014/main" id="{72CF6599-D16B-0A4C-A6A8-E14531FA5480}"/>
+                <a16:creationId xmlns:a16="http://schemas.microsoft.com/office/drawing/2014/main" id="{8934FFC3-3A98-B246-B057-5961F2C26DAD}"/>
               </a:ext>
             </a:extLst>
           </p:cNvPr>
@@ -2375,7 +2380,7 @@
           <a:p>
             <a:fld id="{15666DF1-CDD0-D244-B8AF-2E523E083DDE}" type="datetimeFigureOut">
               <a:rPr lang="sv-SE" smtClean="0"/>
-              <a:t>2022-01-09</a:t>
+              <a:t>2022-01-10</a:t>
             </a:fld>
             <a:endParaRPr lang="sv-SE"/>
           </a:p>
@@ -2386,7 +2391,7 @@
           <p:cNvPr id="6" name="Platshållare för sidfot 5">
             <a:extLst>
               <a:ext uri="{FF2B5EF4-FFF2-40B4-BE49-F238E27FC236}">
-                <a16:creationId xmlns:a16="http://schemas.microsoft.com/office/drawing/2014/main" id="{EC1BEE45-AA1B-7D40-9477-2DF410E8C67F}"/>
+                <a16:creationId xmlns:a16="http://schemas.microsoft.com/office/drawing/2014/main" id="{3E9A3C23-E493-8A4B-B4CA-7C6E0C92B312}"/>
               </a:ext>
             </a:extLst>
           </p:cNvPr>
@@ -2411,7 +2416,7 @@
           <p:cNvPr id="7" name="Platshållare för bildnummer 6">
             <a:extLst>
               <a:ext uri="{FF2B5EF4-FFF2-40B4-BE49-F238E27FC236}">
-                <a16:creationId xmlns:a16="http://schemas.microsoft.com/office/drawing/2014/main" id="{1C816620-FF84-DA4B-BC5D-0CEEBC479B24}"/>
+                <a16:creationId xmlns:a16="http://schemas.microsoft.com/office/drawing/2014/main" id="{95E9E56B-0324-6542-9399-FD15088E8AA6}"/>
               </a:ext>
             </a:extLst>
           </p:cNvPr>
@@ -2438,7 +2443,7 @@
     </p:spTree>
     <p:extLst>
       <p:ext uri="{BB962C8B-B14F-4D97-AF65-F5344CB8AC3E}">
-        <p14:creationId xmlns:p14="http://schemas.microsoft.com/office/powerpoint/2010/main" val="1199933038"/>
+        <p14:creationId xmlns:p14="http://schemas.microsoft.com/office/powerpoint/2010/main" val="3628882002"/>
       </p:ext>
     </p:extLst>
   </p:cSld>
@@ -2470,7 +2475,7 @@
           <p:cNvPr id="2" name="Rubrik 1">
             <a:extLst>
               <a:ext uri="{FF2B5EF4-FFF2-40B4-BE49-F238E27FC236}">
-                <a16:creationId xmlns:a16="http://schemas.microsoft.com/office/drawing/2014/main" id="{DE6A5AA9-D383-7441-95CA-058B30CA51F1}"/>
+                <a16:creationId xmlns:a16="http://schemas.microsoft.com/office/drawing/2014/main" id="{D7C716A4-9C7C-014F-B6AB-07A455160E2E}"/>
               </a:ext>
             </a:extLst>
           </p:cNvPr>
@@ -2507,7 +2512,7 @@
           <p:cNvPr id="3" name="Platshållare för bild 2">
             <a:extLst>
               <a:ext uri="{FF2B5EF4-FFF2-40B4-BE49-F238E27FC236}">
-                <a16:creationId xmlns:a16="http://schemas.microsoft.com/office/drawing/2014/main" id="{4C987F18-F779-704F-8D05-97DD87079A73}"/>
+                <a16:creationId xmlns:a16="http://schemas.microsoft.com/office/drawing/2014/main" id="{6E44B9BE-359D-B447-977C-5FA155DCE72F}"/>
               </a:ext>
             </a:extLst>
           </p:cNvPr>
@@ -2574,7 +2579,7 @@
           <p:cNvPr id="4" name="Platshållare för text 3">
             <a:extLst>
               <a:ext uri="{FF2B5EF4-FFF2-40B4-BE49-F238E27FC236}">
-                <a16:creationId xmlns:a16="http://schemas.microsoft.com/office/drawing/2014/main" id="{B5233378-8BBD-2E45-BA91-67E6B4503D5B}"/>
+                <a16:creationId xmlns:a16="http://schemas.microsoft.com/office/drawing/2014/main" id="{9DAA8AE0-744A-CD46-9ED4-A3AF0002B2FE}"/>
               </a:ext>
             </a:extLst>
           </p:cNvPr>
@@ -2645,7 +2650,7 @@
           <p:cNvPr id="5" name="Platshållare för datum 4">
             <a:extLst>
               <a:ext uri="{FF2B5EF4-FFF2-40B4-BE49-F238E27FC236}">
-                <a16:creationId xmlns:a16="http://schemas.microsoft.com/office/drawing/2014/main" id="{5773ACF8-D3AA-CB47-9266-CFA7BE1D575A}"/>
+                <a16:creationId xmlns:a16="http://schemas.microsoft.com/office/drawing/2014/main" id="{292E5EF2-F6AA-6F47-822C-AA9BFE1E9A5F}"/>
               </a:ext>
             </a:extLst>
           </p:cNvPr>
@@ -2663,7 +2668,7 @@
           <a:p>
             <a:fld id="{15666DF1-CDD0-D244-B8AF-2E523E083DDE}" type="datetimeFigureOut">
               <a:rPr lang="sv-SE" smtClean="0"/>
-              <a:t>2022-01-09</a:t>
+              <a:t>2022-01-10</a:t>
             </a:fld>
             <a:endParaRPr lang="sv-SE"/>
           </a:p>
@@ -2674,7 +2679,7 @@
           <p:cNvPr id="6" name="Platshållare för sidfot 5">
             <a:extLst>
               <a:ext uri="{FF2B5EF4-FFF2-40B4-BE49-F238E27FC236}">
-                <a16:creationId xmlns:a16="http://schemas.microsoft.com/office/drawing/2014/main" id="{636D9703-E723-4547-81FC-0B2C98916A39}"/>
+                <a16:creationId xmlns:a16="http://schemas.microsoft.com/office/drawing/2014/main" id="{653D6D61-D65D-FC42-A91D-8FD249F8457C}"/>
               </a:ext>
             </a:extLst>
           </p:cNvPr>
@@ -2699,7 +2704,7 @@
           <p:cNvPr id="7" name="Platshållare för bildnummer 6">
             <a:extLst>
               <a:ext uri="{FF2B5EF4-FFF2-40B4-BE49-F238E27FC236}">
-                <a16:creationId xmlns:a16="http://schemas.microsoft.com/office/drawing/2014/main" id="{7015A07F-7CE5-694C-903C-1D85BE71BCA5}"/>
+                <a16:creationId xmlns:a16="http://schemas.microsoft.com/office/drawing/2014/main" id="{AA5381AF-886D-F942-A45F-D5498ED2B028}"/>
               </a:ext>
             </a:extLst>
           </p:cNvPr>
@@ -2726,7 +2731,7 @@
     </p:spTree>
     <p:extLst>
       <p:ext uri="{BB962C8B-B14F-4D97-AF65-F5344CB8AC3E}">
-        <p14:creationId xmlns:p14="http://schemas.microsoft.com/office/powerpoint/2010/main" val="490702736"/>
+        <p14:creationId xmlns:p14="http://schemas.microsoft.com/office/powerpoint/2010/main" val="4127408335"/>
       </p:ext>
     </p:extLst>
   </p:cSld>
@@ -2763,7 +2768,7 @@
           <p:cNvPr id="2" name="Platshållare för rubrik 1">
             <a:extLst>
               <a:ext uri="{FF2B5EF4-FFF2-40B4-BE49-F238E27FC236}">
-                <a16:creationId xmlns:a16="http://schemas.microsoft.com/office/drawing/2014/main" id="{B2F7D293-E018-E14F-B335-E9D09B8354DA}"/>
+                <a16:creationId xmlns:a16="http://schemas.microsoft.com/office/drawing/2014/main" id="{AFCEC844-70E5-0E45-A3E6-F2EA49DC8721}"/>
               </a:ext>
             </a:extLst>
           </p:cNvPr>
@@ -2801,7 +2806,7 @@
           <p:cNvPr id="3" name="Platshållare för text 2">
             <a:extLst>
               <a:ext uri="{FF2B5EF4-FFF2-40B4-BE49-F238E27FC236}">
-                <a16:creationId xmlns:a16="http://schemas.microsoft.com/office/drawing/2014/main" id="{0FCC6341-DBED-A947-8160-4249A33D94CA}"/>
+                <a16:creationId xmlns:a16="http://schemas.microsoft.com/office/drawing/2014/main" id="{CB56A40A-3F41-C24C-8519-5F188901D5D3}"/>
               </a:ext>
             </a:extLst>
           </p:cNvPr>
@@ -2868,7 +2873,7 @@
           <p:cNvPr id="4" name="Platshållare för datum 3">
             <a:extLst>
               <a:ext uri="{FF2B5EF4-FFF2-40B4-BE49-F238E27FC236}">
-                <a16:creationId xmlns:a16="http://schemas.microsoft.com/office/drawing/2014/main" id="{E6F92578-C56B-0D48-B93D-5BEA4F19CEF3}"/>
+                <a16:creationId xmlns:a16="http://schemas.microsoft.com/office/drawing/2014/main" id="{81D9E8C4-3E3D-6F46-8191-EB56F59BE25C}"/>
               </a:ext>
             </a:extLst>
           </p:cNvPr>
@@ -2904,7 +2909,7 @@
           <a:p>
             <a:fld id="{15666DF1-CDD0-D244-B8AF-2E523E083DDE}" type="datetimeFigureOut">
               <a:rPr lang="sv-SE" smtClean="0"/>
-              <a:t>2022-01-09</a:t>
+              <a:t>2022-01-10</a:t>
             </a:fld>
             <a:endParaRPr lang="sv-SE"/>
           </a:p>
@@ -2915,7 +2920,7 @@
           <p:cNvPr id="5" name="Platshållare för sidfot 4">
             <a:extLst>
               <a:ext uri="{FF2B5EF4-FFF2-40B4-BE49-F238E27FC236}">
-                <a16:creationId xmlns:a16="http://schemas.microsoft.com/office/drawing/2014/main" id="{3FFA578C-DFAB-A349-B222-E84D32090C2E}"/>
+                <a16:creationId xmlns:a16="http://schemas.microsoft.com/office/drawing/2014/main" id="{DDEAEF9A-E5A7-584E-A80D-2EC29D08E087}"/>
               </a:ext>
             </a:extLst>
           </p:cNvPr>
@@ -2958,7 +2963,7 @@
           <p:cNvPr id="6" name="Platshållare för bildnummer 5">
             <a:extLst>
               <a:ext uri="{FF2B5EF4-FFF2-40B4-BE49-F238E27FC236}">
-                <a16:creationId xmlns:a16="http://schemas.microsoft.com/office/drawing/2014/main" id="{FF7CAC79-3EF9-1E45-8CDE-D3A3D8740D9A}"/>
+                <a16:creationId xmlns:a16="http://schemas.microsoft.com/office/drawing/2014/main" id="{955E7AF3-775E-5F49-AC62-8DCA44CAE774}"/>
               </a:ext>
             </a:extLst>
           </p:cNvPr>
@@ -3003,23 +3008,23 @@
     </p:spTree>
     <p:extLst>
       <p:ext uri="{BB962C8B-B14F-4D97-AF65-F5344CB8AC3E}">
-        <p14:creationId xmlns:p14="http://schemas.microsoft.com/office/powerpoint/2010/main" val="1993538283"/>
+        <p14:creationId xmlns:p14="http://schemas.microsoft.com/office/powerpoint/2010/main" val="2830379892"/>
       </p:ext>
     </p:extLst>
   </p:cSld>
   <p:clrMap bg1="lt1" tx1="dk1" bg2="lt2" tx2="dk2" accent1="accent1" accent2="accent2" accent3="accent3" accent4="accent4" accent5="accent5" accent6="accent6" hlink="hlink" folHlink="folHlink"/>
   <p:sldLayoutIdLst>
-    <p:sldLayoutId id="2147483901" r:id="rId1"/>
-    <p:sldLayoutId id="2147483902" r:id="rId2"/>
-    <p:sldLayoutId id="2147483903" r:id="rId3"/>
-    <p:sldLayoutId id="2147483904" r:id="rId4"/>
-    <p:sldLayoutId id="2147483905" r:id="rId5"/>
-    <p:sldLayoutId id="2147483906" r:id="rId6"/>
-    <p:sldLayoutId id="2147483907" r:id="rId7"/>
-    <p:sldLayoutId id="2147483908" r:id="rId8"/>
-    <p:sldLayoutId id="2147483909" r:id="rId9"/>
-    <p:sldLayoutId id="2147483910" r:id="rId10"/>
-    <p:sldLayoutId id="2147483911" r:id="rId11"/>
+    <p:sldLayoutId id="2147483925" r:id="rId1"/>
+    <p:sldLayoutId id="2147483926" r:id="rId2"/>
+    <p:sldLayoutId id="2147483927" r:id="rId3"/>
+    <p:sldLayoutId id="2147483928" r:id="rId4"/>
+    <p:sldLayoutId id="2147483929" r:id="rId5"/>
+    <p:sldLayoutId id="2147483930" r:id="rId6"/>
+    <p:sldLayoutId id="2147483931" r:id="rId7"/>
+    <p:sldLayoutId id="2147483932" r:id="rId8"/>
+    <p:sldLayoutId id="2147483933" r:id="rId9"/>
+    <p:sldLayoutId id="2147483934" r:id="rId10"/>
+    <p:sldLayoutId id="2147483935" r:id="rId11"/>
   </p:sldLayoutIdLst>
   <p:txStyles>
     <p:titleStyle>
@@ -3340,8 +3345,8 @@
         </p:nvSpPr>
         <p:spPr>
           <a:xfrm>
-            <a:off x="482922" y="718506"/>
-            <a:ext cx="11148246" cy="10310515"/>
+            <a:off x="482922" y="2657034"/>
+            <a:ext cx="12665010" cy="9448740"/>
           </a:xfrm>
           <a:prstGeom prst="rect">
             <a:avLst/>
@@ -3356,18 +3361,26 @@
           <a:p>
             <a:pPr algn="just"/>
             <a:r>
-              <a:rPr lang="sv-SE" sz="3200" b="1" dirty="0"/>
+              <a:rPr lang="sv-SE" sz="3600" b="1" dirty="0">
+                <a:solidFill>
+                  <a:schemeClr val="accent6">
+                    <a:lumMod val="75000"/>
+                  </a:schemeClr>
+                </a:solidFill>
+              </a:rPr>
               <a:t>Problem och målgrupp</a:t>
             </a:r>
-            <a:endParaRPr lang="sv-SE" sz="3200" b="0" dirty="0">
+            <a:endParaRPr lang="sv-SE" sz="3600" b="0" dirty="0">
+              <a:solidFill>
+                <a:schemeClr val="accent6">
+                  <a:lumMod val="75000"/>
+                </a:schemeClr>
+              </a:solidFill>
               <a:effectLst/>
             </a:endParaRPr>
           </a:p>
           <a:p>
             <a:pPr algn="just"/>
-            <a:br>
-              <a:rPr lang="sv-SE" dirty="0"/>
-            </a:br>
             <a:r>
               <a:rPr lang="sv-SE" sz="2800" dirty="0"/>
               <a:t>Det sätts allt mer fokus på hållbarhetsutveckling och numera värdesätter fler företag hållbarhet. Det är inte enbart företag utan även städer vill vara med och bidra till det viktiga hållbarhetsarbetet. Helsingborgs stad, mer specifikt Helsingborg Arena och Scen AB (HASAB) har ett viktigt mål inom detta område. De vill bli certifierade av Global Destination </a:t>
@@ -3434,8 +3447,8 @@
         </p:nvSpPr>
         <p:spPr>
           <a:xfrm>
-            <a:off x="482922" y="10691812"/>
-            <a:ext cx="11148246" cy="8433078"/>
+            <a:off x="482922" y="11045070"/>
+            <a:ext cx="12665010" cy="8002191"/>
           </a:xfrm>
           <a:prstGeom prst="rect">
             <a:avLst/>
@@ -3450,10 +3463,21 @@
           <a:p>
             <a:pPr algn="just"/>
             <a:r>
-              <a:rPr lang="sv-SE" sz="3200" b="1" dirty="0"/>
+              <a:rPr lang="sv-SE" sz="3600" b="1" dirty="0">
+                <a:solidFill>
+                  <a:schemeClr val="accent6">
+                    <a:lumMod val="75000"/>
+                  </a:schemeClr>
+                </a:solidFill>
+              </a:rPr>
               <a:t>Metod</a:t>
             </a:r>
-            <a:endParaRPr lang="sv-SE" sz="3200" b="0" dirty="0">
+            <a:endParaRPr lang="sv-SE" sz="3600" b="0" dirty="0">
+              <a:solidFill>
+                <a:schemeClr val="accent6">
+                  <a:lumMod val="75000"/>
+                </a:schemeClr>
+              </a:solidFill>
               <a:effectLst/>
             </a:endParaRPr>
           </a:p>
@@ -3589,8 +3613,8 @@
         </p:nvSpPr>
         <p:spPr>
           <a:xfrm>
-            <a:off x="16259171" y="718506"/>
-            <a:ext cx="12216384" cy="6155531"/>
+            <a:off x="13998019" y="2657034"/>
+            <a:ext cx="14640989" cy="5786199"/>
           </a:xfrm>
           <a:prstGeom prst="rect">
             <a:avLst/>
@@ -3605,10 +3629,21 @@
           <a:p>
             <a:pPr algn="just"/>
             <a:r>
-              <a:rPr lang="sv-SE" sz="3200" b="1" dirty="0"/>
+              <a:rPr lang="sv-SE" sz="3600" b="1" dirty="0">
+                <a:solidFill>
+                  <a:schemeClr val="accent6">
+                    <a:lumMod val="75000"/>
+                  </a:schemeClr>
+                </a:solidFill>
+              </a:rPr>
               <a:t>Resultat</a:t>
             </a:r>
-            <a:endParaRPr lang="sv-SE" sz="3200" b="0" dirty="0">
+            <a:endParaRPr lang="sv-SE" sz="3600" b="0" dirty="0">
+              <a:solidFill>
+                <a:schemeClr val="accent6">
+                  <a:lumMod val="75000"/>
+                </a:schemeClr>
+              </a:solidFill>
               <a:effectLst/>
             </a:endParaRPr>
           </a:p>
@@ -3639,23 +3674,23 @@
             </a:br>
             <a:r>
               <a:rPr lang="sv-SE" sz="2800" dirty="0"/>
-              <a:t>Webbapplikationen innehåller även en administrationssida för </a:t>
+              <a:t>Webbapplikationen innehåller även en </a:t>
             </a:r>
             <a:r>
               <a:rPr lang="sv-SE" sz="2800" dirty="0" err="1"/>
-              <a:t>admin</a:t>
+              <a:t>adminsida</a:t>
             </a:r>
             <a:r>
               <a:rPr lang="sv-SE" sz="2800" dirty="0"/>
-              <a:t> som skall användas av HASAB för att extrahera den inrapporterade </a:t>
+              <a:t> för </a:t>
             </a:r>
             <a:r>
               <a:rPr lang="sv-SE" sz="2800" dirty="0" err="1"/>
-              <a:t>datan</a:t>
+              <a:t>administatören</a:t>
             </a:r>
             <a:r>
               <a:rPr lang="sv-SE" sz="2800" dirty="0"/>
-              <a:t> från användarna. Det är möjligt för </a:t>
+              <a:t> som skall användas för att få en sammanställd vy av den inrapporterade data från användarna. Det är möjligt för </a:t>
             </a:r>
             <a:r>
               <a:rPr lang="sv-SE" sz="2800" dirty="0" err="1"/>
@@ -3696,8 +3731,8 @@
         </p:nvSpPr>
         <p:spPr>
           <a:xfrm>
-            <a:off x="482922" y="17780786"/>
-            <a:ext cx="10764094" cy="6186309"/>
+            <a:off x="482922" y="17749060"/>
+            <a:ext cx="12665010" cy="5816977"/>
           </a:xfrm>
           <a:prstGeom prst="rect">
             <a:avLst/>
@@ -3712,10 +3747,21 @@
           <a:p>
             <a:pPr algn="just"/>
             <a:r>
-              <a:rPr lang="sv-SE" sz="3200" b="1" dirty="0"/>
+              <a:rPr lang="sv-SE" sz="3600" b="1" dirty="0">
+                <a:solidFill>
+                  <a:schemeClr val="accent6">
+                    <a:lumMod val="75000"/>
+                  </a:schemeClr>
+                </a:solidFill>
+              </a:rPr>
               <a:t>Process</a:t>
             </a:r>
-            <a:endParaRPr lang="sv-SE" sz="3200" b="0" dirty="0">
+            <a:endParaRPr lang="sv-SE" sz="3600" b="0" dirty="0">
+              <a:solidFill>
+                <a:schemeClr val="accent6">
+                  <a:lumMod val="75000"/>
+                </a:schemeClr>
+              </a:solidFill>
               <a:effectLst/>
             </a:endParaRPr>
           </a:p>
@@ -3788,8 +3834,8 @@
         </p:nvSpPr>
         <p:spPr>
           <a:xfrm>
-            <a:off x="16259171" y="17780786"/>
-            <a:ext cx="13533120" cy="5324535"/>
+            <a:off x="13998019" y="17361133"/>
+            <a:ext cx="15017948" cy="4955203"/>
           </a:xfrm>
           <a:prstGeom prst="rect">
             <a:avLst/>
@@ -3804,10 +3850,21 @@
           <a:p>
             <a:pPr algn="just"/>
             <a:r>
-              <a:rPr lang="sv-SE" sz="3200" b="1" dirty="0"/>
+              <a:rPr lang="sv-SE" sz="3600" b="1" dirty="0">
+                <a:solidFill>
+                  <a:schemeClr val="accent6">
+                    <a:lumMod val="75000"/>
+                  </a:schemeClr>
+                </a:solidFill>
+              </a:rPr>
               <a:t>Framtid</a:t>
             </a:r>
-            <a:endParaRPr lang="sv-SE" sz="3200" b="0" dirty="0">
+            <a:endParaRPr lang="sv-SE" sz="3600" b="0" dirty="0">
+              <a:solidFill>
+                <a:schemeClr val="accent6">
+                  <a:lumMod val="75000"/>
+                </a:schemeClr>
+              </a:solidFill>
               <a:effectLst/>
             </a:endParaRPr>
           </a:p>
@@ -3870,8 +3927,8 @@
         </p:blipFill>
         <p:spPr>
           <a:xfrm>
-            <a:off x="18599491" y="12126950"/>
-            <a:ext cx="7077789" cy="5982533"/>
+            <a:off x="23481383" y="8841921"/>
+            <a:ext cx="6793830" cy="5742515"/>
           </a:xfrm>
           <a:prstGeom prst="rect">
             <a:avLst/>
@@ -3900,8 +3957,8 @@
         </p:blipFill>
         <p:spPr>
           <a:xfrm>
-            <a:off x="22119019" y="6440038"/>
-            <a:ext cx="7116521" cy="5633272"/>
+            <a:off x="18098790" y="8841922"/>
+            <a:ext cx="6397247" cy="5724644"/>
           </a:xfrm>
           <a:prstGeom prst="rect">
             <a:avLst/>
@@ -3930,8 +3987,8 @@
         </p:blipFill>
         <p:spPr>
           <a:xfrm>
-            <a:off x="16259171" y="7599323"/>
-            <a:ext cx="4424846" cy="4928550"/>
+            <a:off x="13552196" y="8841922"/>
+            <a:ext cx="5139579" cy="5724645"/>
           </a:xfrm>
           <a:prstGeom prst="rect">
             <a:avLst/>
@@ -3947,19 +4004,38 @@
               </a:ext>
             </a:extLst>
           </p:cNvPr>
-          <p:cNvSpPr txBox="1"/>
+          <p:cNvSpPr txBox="1">
+            <a:spLocks/>
+          </p:cNvSpPr>
           <p:nvPr/>
         </p:nvSpPr>
         <p:spPr>
           <a:xfrm>
-            <a:off x="12404176" y="169867"/>
-            <a:ext cx="3095010" cy="1384995"/>
+            <a:off x="9986829" y="521087"/>
+            <a:ext cx="6777171" cy="1477328"/>
           </a:xfrm>
           <a:prstGeom prst="rect">
             <a:avLst/>
           </a:prstGeom>
           <a:noFill/>
+          <a:ln>
+            <a:noFill/>
+          </a:ln>
         </p:spPr>
+        <p:style>
+          <a:lnRef idx="0">
+            <a:scrgbClr r="0" g="0" b="0"/>
+          </a:lnRef>
+          <a:fillRef idx="0">
+            <a:scrgbClr r="0" g="0" b="0"/>
+          </a:fillRef>
+          <a:effectRef idx="0">
+            <a:scrgbClr r="0" g="0" b="0"/>
+          </a:effectRef>
+          <a:fontRef idx="minor">
+            <a:schemeClr val="accent6"/>
+          </a:fontRef>
+        </p:style>
         <p:txBody>
           <a:bodyPr wrap="square" rtlCol="0">
             <a:spAutoFit/>
@@ -3967,53 +4043,32 @@
           <a:lstStyle/>
           <a:p>
             <a:r>
-              <a:rPr lang="sv-SE" sz="4800" b="1" dirty="0"/>
-              <a:t>HASAB</a:t>
-            </a:r>
-          </a:p>
-          <a:p>
-            <a:endParaRPr lang="sv-SE" dirty="0"/>
-          </a:p>
-          <a:p>
-            <a:endParaRPr lang="sv-SE" dirty="0"/>
-          </a:p>
-        </p:txBody>
-      </p:sp>
-      <p:sp>
-        <p:nvSpPr>
-          <p:cNvPr id="22" name="textruta 21">
-            <a:extLst>
-              <a:ext uri="{FF2B5EF4-FFF2-40B4-BE49-F238E27FC236}">
-                <a16:creationId xmlns:a16="http://schemas.microsoft.com/office/drawing/2014/main" id="{ADD3A570-BD5B-3A4A-AE06-DDDAA0AFB145}"/>
-              </a:ext>
-            </a:extLst>
-          </p:cNvPr>
-          <p:cNvSpPr txBox="1"/>
-          <p:nvPr/>
-        </p:nvSpPr>
-        <p:spPr>
-          <a:xfrm>
-            <a:off x="16259170" y="6440037"/>
-            <a:ext cx="9418109" cy="1200329"/>
-          </a:xfrm>
-          <a:prstGeom prst="rect">
-            <a:avLst/>
-          </a:prstGeom>
-          <a:noFill/>
-        </p:spPr>
-        <p:txBody>
-          <a:bodyPr wrap="square">
-            <a:spAutoFit/>
-          </a:bodyPr>
-          <a:lstStyle/>
-          <a:p>
-            <a:r>
-              <a:rPr lang="sv-SE" sz="3600" b="1" dirty="0"/>
-              <a:t>Frågeformulär – rapporteringsverktyget </a:t>
-            </a:r>
-          </a:p>
-          <a:p>
-            <a:endParaRPr lang="sv-SE" b="1" dirty="0"/>
+              <a:rPr lang="sv-SE" sz="7200" b="1" dirty="0" err="1">
+                <a:solidFill>
+                  <a:schemeClr val="accent6">
+                    <a:lumMod val="75000"/>
+                  </a:schemeClr>
+                </a:solidFill>
+              </a:rPr>
+              <a:t>Sustainable</a:t>
+            </a:r>
+            <a:r>
+              <a:rPr lang="sv-SE" sz="7200" b="1" dirty="0">
+                <a:solidFill>
+                  <a:schemeClr val="accent6">
+                    <a:lumMod val="75000"/>
+                  </a:schemeClr>
+                </a:solidFill>
+              </a:rPr>
+              <a:t> form</a:t>
+            </a:r>
+            <a:endParaRPr lang="sv-SE" sz="7200" dirty="0">
+              <a:solidFill>
+                <a:schemeClr val="accent6">
+                  <a:lumMod val="75000"/>
+                </a:schemeClr>
+              </a:solidFill>
+            </a:endParaRPr>
           </a:p>
           <a:p>
             <a:endParaRPr lang="sv-SE" dirty="0"/>

--- a/Delredovisning/Poster-hasab.pptx
+++ b/Delredovisning/Poster-hasab.pptx
@@ -259,7 +259,7 @@
           <a:p>
             <a:fld id="{15666DF1-CDD0-D244-B8AF-2E523E083DDE}" type="datetimeFigureOut">
               <a:rPr lang="sv-SE" smtClean="0"/>
-              <a:t>2022-01-10</a:t>
+              <a:t>2022-01-11</a:t>
             </a:fld>
             <a:endParaRPr lang="sv-SE"/>
           </a:p>
@@ -457,7 +457,7 @@
           <a:p>
             <a:fld id="{15666DF1-CDD0-D244-B8AF-2E523E083DDE}" type="datetimeFigureOut">
               <a:rPr lang="sv-SE" smtClean="0"/>
-              <a:t>2022-01-10</a:t>
+              <a:t>2022-01-11</a:t>
             </a:fld>
             <a:endParaRPr lang="sv-SE"/>
           </a:p>
@@ -665,7 +665,7 @@
           <a:p>
             <a:fld id="{15666DF1-CDD0-D244-B8AF-2E523E083DDE}" type="datetimeFigureOut">
               <a:rPr lang="sv-SE" smtClean="0"/>
-              <a:t>2022-01-10</a:t>
+              <a:t>2022-01-11</a:t>
             </a:fld>
             <a:endParaRPr lang="sv-SE"/>
           </a:p>
@@ -863,7 +863,7 @@
           <a:p>
             <a:fld id="{15666DF1-CDD0-D244-B8AF-2E523E083DDE}" type="datetimeFigureOut">
               <a:rPr lang="sv-SE" smtClean="0"/>
-              <a:t>2022-01-10</a:t>
+              <a:t>2022-01-11</a:t>
             </a:fld>
             <a:endParaRPr lang="sv-SE"/>
           </a:p>
@@ -1138,7 +1138,7 @@
           <a:p>
             <a:fld id="{15666DF1-CDD0-D244-B8AF-2E523E083DDE}" type="datetimeFigureOut">
               <a:rPr lang="sv-SE" smtClean="0"/>
-              <a:t>2022-01-10</a:t>
+              <a:t>2022-01-11</a:t>
             </a:fld>
             <a:endParaRPr lang="sv-SE"/>
           </a:p>
@@ -1403,7 +1403,7 @@
           <a:p>
             <a:fld id="{15666DF1-CDD0-D244-B8AF-2E523E083DDE}" type="datetimeFigureOut">
               <a:rPr lang="sv-SE" smtClean="0"/>
-              <a:t>2022-01-10</a:t>
+              <a:t>2022-01-11</a:t>
             </a:fld>
             <a:endParaRPr lang="sv-SE"/>
           </a:p>
@@ -1815,7 +1815,7 @@
           <a:p>
             <a:fld id="{15666DF1-CDD0-D244-B8AF-2E523E083DDE}" type="datetimeFigureOut">
               <a:rPr lang="sv-SE" smtClean="0"/>
-              <a:t>2022-01-10</a:t>
+              <a:t>2022-01-11</a:t>
             </a:fld>
             <a:endParaRPr lang="sv-SE"/>
           </a:p>
@@ -1956,7 +1956,7 @@
           <a:p>
             <a:fld id="{15666DF1-CDD0-D244-B8AF-2E523E083DDE}" type="datetimeFigureOut">
               <a:rPr lang="sv-SE" smtClean="0"/>
-              <a:t>2022-01-10</a:t>
+              <a:t>2022-01-11</a:t>
             </a:fld>
             <a:endParaRPr lang="sv-SE"/>
           </a:p>
@@ -2069,7 +2069,7 @@
           <a:p>
             <a:fld id="{15666DF1-CDD0-D244-B8AF-2E523E083DDE}" type="datetimeFigureOut">
               <a:rPr lang="sv-SE" smtClean="0"/>
-              <a:t>2022-01-10</a:t>
+              <a:t>2022-01-11</a:t>
             </a:fld>
             <a:endParaRPr lang="sv-SE"/>
           </a:p>
@@ -2380,7 +2380,7 @@
           <a:p>
             <a:fld id="{15666DF1-CDD0-D244-B8AF-2E523E083DDE}" type="datetimeFigureOut">
               <a:rPr lang="sv-SE" smtClean="0"/>
-              <a:t>2022-01-10</a:t>
+              <a:t>2022-01-11</a:t>
             </a:fld>
             <a:endParaRPr lang="sv-SE"/>
           </a:p>
@@ -2668,7 +2668,7 @@
           <a:p>
             <a:fld id="{15666DF1-CDD0-D244-B8AF-2E523E083DDE}" type="datetimeFigureOut">
               <a:rPr lang="sv-SE" smtClean="0"/>
-              <a:t>2022-01-10</a:t>
+              <a:t>2022-01-11</a:t>
             </a:fld>
             <a:endParaRPr lang="sv-SE"/>
           </a:p>
@@ -2909,7 +2909,7 @@
           <a:p>
             <a:fld id="{15666DF1-CDD0-D244-B8AF-2E523E083DDE}" type="datetimeFigureOut">
               <a:rPr lang="sv-SE" smtClean="0"/>
-              <a:t>2022-01-10</a:t>
+              <a:t>2022-01-11</a:t>
             </a:fld>
             <a:endParaRPr lang="sv-SE"/>
           </a:p>
@@ -3927,8 +3927,8 @@
         </p:blipFill>
         <p:spPr>
           <a:xfrm>
-            <a:off x="23481383" y="8841921"/>
-            <a:ext cx="6793830" cy="5742515"/>
+            <a:off x="13782569" y="12055916"/>
+            <a:ext cx="5962861" cy="5040135"/>
           </a:xfrm>
           <a:prstGeom prst="rect">
             <a:avLst/>
@@ -3957,8 +3957,8 @@
         </p:blipFill>
         <p:spPr>
           <a:xfrm>
-            <a:off x="18098790" y="8841922"/>
-            <a:ext cx="6397247" cy="5724644"/>
+            <a:off x="21520733" y="7447317"/>
+            <a:ext cx="5962860" cy="5335928"/>
           </a:xfrm>
           <a:prstGeom prst="rect">
             <a:avLst/>
@@ -3987,8 +3987,8 @@
         </p:blipFill>
         <p:spPr>
           <a:xfrm>
-            <a:off x="13552196" y="8841922"/>
-            <a:ext cx="5139579" cy="5724645"/>
+            <a:off x="14162670" y="7498699"/>
+            <a:ext cx="4533862" cy="5049976"/>
           </a:xfrm>
           <a:prstGeom prst="rect">
             <a:avLst/>
@@ -4071,6 +4071,94 @@
             </a:endParaRPr>
           </a:p>
           <a:p>
+            <a:endParaRPr lang="sv-SE" dirty="0"/>
+          </a:p>
+        </p:txBody>
+      </p:sp>
+      <p:pic>
+        <p:nvPicPr>
+          <p:cNvPr id="3" name="Bildobjekt 2" descr="En bild som visar text&#10;&#10;Automatiskt genererad beskrivning">
+            <a:extLst>
+              <a:ext uri="{FF2B5EF4-FFF2-40B4-BE49-F238E27FC236}">
+                <a16:creationId xmlns:a16="http://schemas.microsoft.com/office/drawing/2014/main" id="{BD37DAC6-E200-2F48-852A-37A6C299B023}"/>
+              </a:ext>
+            </a:extLst>
+          </p:cNvPr>
+          <p:cNvPicPr>
+            <a:picLocks noChangeAspect="1"/>
+          </p:cNvPicPr>
+          <p:nvPr/>
+        </p:nvPicPr>
+        <p:blipFill>
+          <a:blip r:embed="rId5"/>
+          <a:stretch>
+            <a:fillRect/>
+          </a:stretch>
+        </p:blipFill>
+        <p:spPr>
+          <a:xfrm>
+            <a:off x="20899008" y="12548675"/>
+            <a:ext cx="7740000" cy="3859250"/>
+          </a:xfrm>
+          <a:prstGeom prst="rect">
+            <a:avLst/>
+          </a:prstGeom>
+        </p:spPr>
+      </p:pic>
+      <p:sp>
+        <p:nvSpPr>
+          <p:cNvPr id="14" name="textruta 13">
+            <a:extLst>
+              <a:ext uri="{FF2B5EF4-FFF2-40B4-BE49-F238E27FC236}">
+                <a16:creationId xmlns:a16="http://schemas.microsoft.com/office/drawing/2014/main" id="{EB50C637-6F8C-7540-B912-FD02C0414A8D}"/>
+              </a:ext>
+            </a:extLst>
+          </p:cNvPr>
+          <p:cNvSpPr txBox="1"/>
+          <p:nvPr/>
+        </p:nvSpPr>
+        <p:spPr>
+          <a:xfrm>
+            <a:off x="19745430" y="949324"/>
+            <a:ext cx="14640989" cy="1231106"/>
+          </a:xfrm>
+          <a:prstGeom prst="rect">
+            <a:avLst/>
+          </a:prstGeom>
+          <a:noFill/>
+        </p:spPr>
+        <p:txBody>
+          <a:bodyPr wrap="square" rtlCol="0">
+            <a:spAutoFit/>
+          </a:bodyPr>
+          <a:lstStyle/>
+          <a:p>
+            <a:pPr algn="just"/>
+            <a:r>
+              <a:rPr lang="sv-SE" sz="2000" b="1" dirty="0"/>
+              <a:t>Filip Sjövall,  Anna Bergvall, Sabah </a:t>
+            </a:r>
+            <a:r>
+              <a:rPr lang="sv-SE" sz="2000" b="1" dirty="0" err="1"/>
+              <a:t>Zafar</a:t>
+            </a:r>
+            <a:r>
+              <a:rPr lang="sv-SE" sz="2000" b="1" dirty="0"/>
+              <a:t>, Oscar Blixt, David Vilppu, Pontus Persson</a:t>
+            </a:r>
+            <a:endParaRPr lang="sv-SE" sz="2000" b="0" dirty="0">
+              <a:effectLst/>
+            </a:endParaRPr>
+          </a:p>
+          <a:p>
+            <a:pPr algn="just"/>
+            <a:br>
+              <a:rPr lang="sv-SE" dirty="0"/>
+            </a:br>
+            <a:endParaRPr lang="sv-SE" dirty="0"/>
+          </a:p>
+          <a:p>
+            <a:pPr algn="just"/>
             <a:endParaRPr lang="sv-SE" dirty="0"/>
           </a:p>
         </p:txBody>
